--- a/Project Propasal Timelines v2.pptx
+++ b/Project Propasal Timelines v2.pptx
@@ -123,7 +123,7 @@
 <file path=ppt/revisionInfo.xml><?xml version="1.0" encoding="utf-8"?>
 <p1510:revInfo xmlns:a="http://schemas.openxmlformats.org/drawingml/2006/main" xmlns:r="http://schemas.openxmlformats.org/officeDocument/2006/relationships" xmlns:p1510="http://schemas.microsoft.com/office/powerpoint/2015/10/main">
   <p1510:revLst>
-    <p1510:client id="{03AA9417-1C07-45BA-9BA3-854CC1DEC91A}" v="43" dt="2025-02-14T10:54:29.442"/>
+    <p1510:client id="{03AA9417-1C07-45BA-9BA3-854CC1DEC91A}" v="39" dt="2025-02-03T21:00:40.419"/>
   </p1510:revLst>
 </p1510:revInfo>
 </file>
@@ -133,7 +133,7 @@
   <pc:docChgLst>
     <pc:chgData name="Betty Ulicki" userId="ec73e3d992cd6186" providerId="LiveId" clId="{03AA9417-1C07-45BA-9BA3-854CC1DEC91A}"/>
     <pc:docChg chg="undo custSel addSld delSld modSld sldOrd modMainMaster">
-      <pc:chgData name="Betty Ulicki" userId="ec73e3d992cd6186" providerId="LiveId" clId="{03AA9417-1C07-45BA-9BA3-854CC1DEC91A}" dt="2025-02-13T18:37:38.130" v="515"/>
+      <pc:chgData name="Betty Ulicki" userId="ec73e3d992cd6186" providerId="LiveId" clId="{03AA9417-1C07-45BA-9BA3-854CC1DEC91A}" dt="2025-02-03T21:14:02.250" v="513" actId="255"/>
       <pc:docMkLst>
         <pc:docMk/>
       </pc:docMkLst>
@@ -159,6 +159,70 @@
             <ac:spMk id="3" creationId="{4208D6D9-1D73-2D18-AF43-94EA990BFBC4}"/>
           </ac:spMkLst>
         </pc:spChg>
+        <pc:spChg chg="del mod">
+          <ac:chgData name="Betty Ulicki" userId="ec73e3d992cd6186" providerId="LiveId" clId="{03AA9417-1C07-45BA-9BA3-854CC1DEC91A}" dt="2025-02-03T20:48:37.436" v="225"/>
+          <ac:spMkLst>
+            <pc:docMk/>
+            <pc:sldMk cId="1056851974" sldId="256"/>
+            <ac:spMk id="8" creationId="{0ADFFC45-3DC9-4433-926F-043E879D9DFC}"/>
+          </ac:spMkLst>
+        </pc:spChg>
+        <pc:spChg chg="mod">
+          <ac:chgData name="Betty Ulicki" userId="ec73e3d992cd6186" providerId="LiveId" clId="{03AA9417-1C07-45BA-9BA3-854CC1DEC91A}" dt="2025-02-03T20:48:37.436" v="225"/>
+          <ac:spMkLst>
+            <pc:docMk/>
+            <pc:sldMk cId="1056851974" sldId="256"/>
+            <ac:spMk id="13" creationId="{92E26C27-E1F5-47DC-9F83-469D196C55D0}"/>
+          </ac:spMkLst>
+        </pc:spChg>
+        <pc:spChg chg="mod">
+          <ac:chgData name="Betty Ulicki" userId="ec73e3d992cd6186" providerId="LiveId" clId="{03AA9417-1C07-45BA-9BA3-854CC1DEC91A}" dt="2025-02-03T20:48:37.436" v="225"/>
+          <ac:spMkLst>
+            <pc:docMk/>
+            <pc:sldMk cId="1056851974" sldId="256"/>
+            <ac:spMk id="14" creationId="{95F944E7-2B4E-4AE2-B4DB-846FF8AE0B7A}"/>
+          </ac:spMkLst>
+        </pc:spChg>
+        <pc:spChg chg="mod">
+          <ac:chgData name="Betty Ulicki" userId="ec73e3d992cd6186" providerId="LiveId" clId="{03AA9417-1C07-45BA-9BA3-854CC1DEC91A}" dt="2025-02-03T20:48:37.436" v="225"/>
+          <ac:spMkLst>
+            <pc:docMk/>
+            <pc:sldMk cId="1056851974" sldId="256"/>
+            <ac:spMk id="15" creationId="{FF14952D-390F-46CC-B302-73DDD9C4160F}"/>
+          </ac:spMkLst>
+        </pc:spChg>
+        <pc:spChg chg="mod">
+          <ac:chgData name="Betty Ulicki" userId="ec73e3d992cd6186" providerId="LiveId" clId="{03AA9417-1C07-45BA-9BA3-854CC1DEC91A}" dt="2025-02-03T20:48:37.436" v="225"/>
+          <ac:spMkLst>
+            <pc:docMk/>
+            <pc:sldMk cId="1056851974" sldId="256"/>
+            <ac:spMk id="16" creationId="{867CDE55-B22A-40D0-882A-9452919EEC28}"/>
+          </ac:spMkLst>
+        </pc:spChg>
+        <pc:spChg chg="mod">
+          <ac:chgData name="Betty Ulicki" userId="ec73e3d992cd6186" providerId="LiveId" clId="{03AA9417-1C07-45BA-9BA3-854CC1DEC91A}" dt="2025-02-03T20:48:37.436" v="225"/>
+          <ac:spMkLst>
+            <pc:docMk/>
+            <pc:sldMk cId="1056851974" sldId="256"/>
+            <ac:spMk id="17" creationId="{8C409231-C942-4808-B529-DAC32A7DB002}"/>
+          </ac:spMkLst>
+        </pc:spChg>
+        <pc:spChg chg="del mod">
+          <ac:chgData name="Betty Ulicki" userId="ec73e3d992cd6186" providerId="LiveId" clId="{03AA9417-1C07-45BA-9BA3-854CC1DEC91A}" dt="2025-02-03T20:48:37.436" v="225"/>
+          <ac:spMkLst>
+            <pc:docMk/>
+            <pc:sldMk cId="1056851974" sldId="256"/>
+            <ac:spMk id="19" creationId="{69370F01-B8C9-4CE4-824C-92B2792E6ED0}"/>
+          </ac:spMkLst>
+        </pc:spChg>
+        <pc:grpChg chg="del mod">
+          <ac:chgData name="Betty Ulicki" userId="ec73e3d992cd6186" providerId="LiveId" clId="{03AA9417-1C07-45BA-9BA3-854CC1DEC91A}" dt="2025-02-03T20:48:37.436" v="225"/>
+          <ac:grpSpMkLst>
+            <pc:docMk/>
+            <pc:sldMk cId="1056851974" sldId="256"/>
+            <ac:grpSpMk id="10" creationId="{B5F26A87-0610-435F-AA13-BD658385C9D9}"/>
+          </ac:grpSpMkLst>
+        </pc:grpChg>
       </pc:sldChg>
       <pc:sldChg chg="modSp">
         <pc:chgData name="Betty Ulicki" userId="ec73e3d992cd6186" providerId="LiveId" clId="{03AA9417-1C07-45BA-9BA3-854CC1DEC91A}" dt="2025-02-03T20:48:37.436" v="225"/>
@@ -235,6 +299,14 @@
             <ac:spMk id="3" creationId="{54D3ED03-1A66-14AD-ED15-D2E76B1DFBB3}"/>
           </ac:spMkLst>
         </pc:spChg>
+        <pc:spChg chg="add del mod">
+          <ac:chgData name="Betty Ulicki" userId="ec73e3d992cd6186" providerId="LiveId" clId="{03AA9417-1C07-45BA-9BA3-854CC1DEC91A}" dt="2025-02-03T20:36:38.476" v="143"/>
+          <ac:spMkLst>
+            <pc:docMk/>
+            <pc:sldMk cId="4109087495" sldId="260"/>
+            <ac:spMk id="4" creationId="{4D1E5F16-BDDA-6F57-4AC2-9D39FA02500F}"/>
+          </ac:spMkLst>
+        </pc:spChg>
         <pc:spChg chg="add mod">
           <ac:chgData name="Betty Ulicki" userId="ec73e3d992cd6186" providerId="LiveId" clId="{03AA9417-1C07-45BA-9BA3-854CC1DEC91A}" dt="2025-02-03T21:14:02.250" v="513" actId="255"/>
           <ac:spMkLst>
@@ -267,8 +339,8 @@
           </ac:spMkLst>
         </pc:spChg>
       </pc:sldChg>
-      <pc:sldChg chg="addSp delSp modSp del mod ord">
-        <pc:chgData name="Betty Ulicki" userId="ec73e3d992cd6186" providerId="LiveId" clId="{03AA9417-1C07-45BA-9BA3-854CC1DEC91A}" dt="2025-02-13T18:37:38.130" v="515"/>
+      <pc:sldChg chg="addSp delSp modSp del mod">
+        <pc:chgData name="Betty Ulicki" userId="ec73e3d992cd6186" providerId="LiveId" clId="{03AA9417-1C07-45BA-9BA3-854CC1DEC91A}" dt="2025-02-03T21:09:56.432" v="507" actId="20577"/>
         <pc:sldMkLst>
           <pc:docMk/>
           <pc:sldMk cId="0" sldId="262"/>
@@ -297,6 +369,14 @@
             <ac:spMk id="6" creationId="{569BAACB-232B-7E59-5948-51182919FD0D}"/>
           </ac:spMkLst>
         </pc:spChg>
+        <pc:picChg chg="add del mod">
+          <ac:chgData name="Betty Ulicki" userId="ec73e3d992cd6186" providerId="LiveId" clId="{03AA9417-1C07-45BA-9BA3-854CC1DEC91A}" dt="2025-02-03T20:59:41.779" v="309" actId="478"/>
+          <ac:picMkLst>
+            <pc:docMk/>
+            <pc:sldMk cId="0" sldId="262"/>
+            <ac:picMk id="4" creationId="{DE05B246-8E79-2162-BC13-62D1F6157031}"/>
+          </ac:picMkLst>
+        </pc:picChg>
       </pc:sldChg>
       <pc:sldChg chg="new del">
         <pc:chgData name="Betty Ulicki" userId="ec73e3d992cd6186" providerId="LiveId" clId="{03AA9417-1C07-45BA-9BA3-854CC1DEC91A}" dt="2025-02-03T20:50:35.967" v="258" actId="680"/>
@@ -325,6 +405,86 @@
           <pc:docMk/>
           <pc:sldMasterMk cId="891989415" sldId="2147483677"/>
         </pc:sldMasterMkLst>
+        <pc:spChg chg="mod">
+          <ac:chgData name="Betty Ulicki" userId="ec73e3d992cd6186" providerId="LiveId" clId="{03AA9417-1C07-45BA-9BA3-854CC1DEC91A}" dt="2025-02-03T20:48:37.436" v="225"/>
+          <ac:spMkLst>
+            <pc:docMk/>
+            <pc:sldMasterMk cId="891989415" sldId="2147483677"/>
+            <ac:spMk id="2" creationId="{00000000-0000-0000-0000-000000000000}"/>
+          </ac:spMkLst>
+        </pc:spChg>
+        <pc:spChg chg="mod">
+          <ac:chgData name="Betty Ulicki" userId="ec73e3d992cd6186" providerId="LiveId" clId="{03AA9417-1C07-45BA-9BA3-854CC1DEC91A}" dt="2025-02-03T20:48:37.436" v="225"/>
+          <ac:spMkLst>
+            <pc:docMk/>
+            <pc:sldMasterMk cId="891989415" sldId="2147483677"/>
+            <ac:spMk id="3" creationId="{00000000-0000-0000-0000-000000000000}"/>
+          </ac:spMkLst>
+        </pc:spChg>
+        <pc:spChg chg="mod">
+          <ac:chgData name="Betty Ulicki" userId="ec73e3d992cd6186" providerId="LiveId" clId="{03AA9417-1C07-45BA-9BA3-854CC1DEC91A}" dt="2025-02-03T20:48:37.436" v="225"/>
+          <ac:spMkLst>
+            <pc:docMk/>
+            <pc:sldMasterMk cId="891989415" sldId="2147483677"/>
+            <ac:spMk id="5" creationId="{00000000-0000-0000-0000-000000000000}"/>
+          </ac:spMkLst>
+        </pc:spChg>
+        <pc:spChg chg="mod">
+          <ac:chgData name="Betty Ulicki" userId="ec73e3d992cd6186" providerId="LiveId" clId="{03AA9417-1C07-45BA-9BA3-854CC1DEC91A}" dt="2025-02-03T20:48:37.436" v="225"/>
+          <ac:spMkLst>
+            <pc:docMk/>
+            <pc:sldMasterMk cId="891989415" sldId="2147483677"/>
+            <ac:spMk id="6" creationId="{00000000-0000-0000-0000-000000000000}"/>
+          </ac:spMkLst>
+        </pc:spChg>
+        <pc:spChg chg="mod">
+          <ac:chgData name="Betty Ulicki" userId="ec73e3d992cd6186" providerId="LiveId" clId="{03AA9417-1C07-45BA-9BA3-854CC1DEC91A}" dt="2025-02-03T20:48:37.436" v="225"/>
+          <ac:spMkLst>
+            <pc:docMk/>
+            <pc:sldMasterMk cId="891989415" sldId="2147483677"/>
+            <ac:spMk id="19" creationId="{00000000-0000-0000-0000-000000000000}"/>
+          </ac:spMkLst>
+        </pc:spChg>
+        <pc:spChg chg="mod">
+          <ac:chgData name="Betty Ulicki" userId="ec73e3d992cd6186" providerId="LiveId" clId="{03AA9417-1C07-45BA-9BA3-854CC1DEC91A}" dt="2025-02-03T20:48:37.436" v="225"/>
+          <ac:spMkLst>
+            <pc:docMk/>
+            <pc:sldMasterMk cId="891989415" sldId="2147483677"/>
+            <ac:spMk id="22" creationId="{00000000-0000-0000-0000-000000000000}"/>
+          </ac:spMkLst>
+        </pc:spChg>
+        <pc:spChg chg="mod">
+          <ac:chgData name="Betty Ulicki" userId="ec73e3d992cd6186" providerId="LiveId" clId="{03AA9417-1C07-45BA-9BA3-854CC1DEC91A}" dt="2025-02-03T20:48:37.436" v="225"/>
+          <ac:spMkLst>
+            <pc:docMk/>
+            <pc:sldMasterMk cId="891989415" sldId="2147483677"/>
+            <ac:spMk id="23" creationId="{00000000-0000-0000-0000-000000000000}"/>
+          </ac:spMkLst>
+        </pc:spChg>
+        <pc:spChg chg="mod">
+          <ac:chgData name="Betty Ulicki" userId="ec73e3d992cd6186" providerId="LiveId" clId="{03AA9417-1C07-45BA-9BA3-854CC1DEC91A}" dt="2025-02-03T20:48:37.436" v="225"/>
+          <ac:spMkLst>
+            <pc:docMk/>
+            <pc:sldMasterMk cId="891989415" sldId="2147483677"/>
+            <ac:spMk id="24" creationId="{00000000-0000-0000-0000-000000000000}"/>
+          </ac:spMkLst>
+        </pc:spChg>
+        <pc:spChg chg="mod">
+          <ac:chgData name="Betty Ulicki" userId="ec73e3d992cd6186" providerId="LiveId" clId="{03AA9417-1C07-45BA-9BA3-854CC1DEC91A}" dt="2025-02-03T20:48:37.436" v="225"/>
+          <ac:spMkLst>
+            <pc:docMk/>
+            <pc:sldMasterMk cId="891989415" sldId="2147483677"/>
+            <ac:spMk id="27" creationId="{00000000-0000-0000-0000-000000000000}"/>
+          </ac:spMkLst>
+        </pc:spChg>
+        <pc:spChg chg="mod">
+          <ac:chgData name="Betty Ulicki" userId="ec73e3d992cd6186" providerId="LiveId" clId="{03AA9417-1C07-45BA-9BA3-854CC1DEC91A}" dt="2025-02-03T20:48:37.436" v="225"/>
+          <ac:spMkLst>
+            <pc:docMk/>
+            <pc:sldMasterMk cId="891989415" sldId="2147483677"/>
+            <ac:spMk id="28" creationId="{00000000-0000-0000-0000-000000000000}"/>
+          </ac:spMkLst>
+        </pc:spChg>
         <pc:sldLayoutChg chg="modSp">
           <pc:chgData name="Betty Ulicki" userId="ec73e3d992cd6186" providerId="LiveId" clId="{03AA9417-1C07-45BA-9BA3-854CC1DEC91A}" dt="2025-02-03T20:48:37.436" v="225"/>
           <pc:sldLayoutMkLst>
@@ -332,6 +492,96 @@
             <pc:sldMasterMk cId="891989415" sldId="2147483677"/>
             <pc:sldLayoutMk cId="106217456" sldId="2147483678"/>
           </pc:sldLayoutMkLst>
+          <pc:spChg chg="mod">
+            <ac:chgData name="Betty Ulicki" userId="ec73e3d992cd6186" providerId="LiveId" clId="{03AA9417-1C07-45BA-9BA3-854CC1DEC91A}" dt="2025-02-03T20:48:37.436" v="225"/>
+            <ac:spMkLst>
+              <pc:docMk/>
+              <pc:sldMasterMk cId="891989415" sldId="2147483677"/>
+              <pc:sldLayoutMk cId="106217456" sldId="2147483678"/>
+              <ac:spMk id="2" creationId="{00000000-0000-0000-0000-000000000000}"/>
+            </ac:spMkLst>
+          </pc:spChg>
+          <pc:spChg chg="mod">
+            <ac:chgData name="Betty Ulicki" userId="ec73e3d992cd6186" providerId="LiveId" clId="{03AA9417-1C07-45BA-9BA3-854CC1DEC91A}" dt="2025-02-03T20:48:37.436" v="225"/>
+            <ac:spMkLst>
+              <pc:docMk/>
+              <pc:sldMasterMk cId="891989415" sldId="2147483677"/>
+              <pc:sldLayoutMk cId="106217456" sldId="2147483678"/>
+              <ac:spMk id="3" creationId="{00000000-0000-0000-0000-000000000000}"/>
+            </ac:spMkLst>
+          </pc:spChg>
+          <pc:spChg chg="mod">
+            <ac:chgData name="Betty Ulicki" userId="ec73e3d992cd6186" providerId="LiveId" clId="{03AA9417-1C07-45BA-9BA3-854CC1DEC91A}" dt="2025-02-03T20:48:37.436" v="225"/>
+            <ac:spMkLst>
+              <pc:docMk/>
+              <pc:sldMasterMk cId="891989415" sldId="2147483677"/>
+              <pc:sldLayoutMk cId="106217456" sldId="2147483678"/>
+              <ac:spMk id="15" creationId="{00000000-0000-0000-0000-000000000000}"/>
+            </ac:spMkLst>
+          </pc:spChg>
+          <pc:spChg chg="mod">
+            <ac:chgData name="Betty Ulicki" userId="ec73e3d992cd6186" providerId="LiveId" clId="{03AA9417-1C07-45BA-9BA3-854CC1DEC91A}" dt="2025-02-03T20:48:37.436" v="225"/>
+            <ac:spMkLst>
+              <pc:docMk/>
+              <pc:sldMasterMk cId="891989415" sldId="2147483677"/>
+              <pc:sldLayoutMk cId="106217456" sldId="2147483678"/>
+              <ac:spMk id="21" creationId="{00000000-0000-0000-0000-000000000000}"/>
+            </ac:spMkLst>
+          </pc:spChg>
+          <pc:spChg chg="mod">
+            <ac:chgData name="Betty Ulicki" userId="ec73e3d992cd6186" providerId="LiveId" clId="{03AA9417-1C07-45BA-9BA3-854CC1DEC91A}" dt="2025-02-03T20:48:37.436" v="225"/>
+            <ac:spMkLst>
+              <pc:docMk/>
+              <pc:sldMasterMk cId="891989415" sldId="2147483677"/>
+              <pc:sldLayoutMk cId="106217456" sldId="2147483678"/>
+              <ac:spMk id="22" creationId="{00000000-0000-0000-0000-000000000000}"/>
+            </ac:spMkLst>
+          </pc:spChg>
+          <pc:spChg chg="mod">
+            <ac:chgData name="Betty Ulicki" userId="ec73e3d992cd6186" providerId="LiveId" clId="{03AA9417-1C07-45BA-9BA3-854CC1DEC91A}" dt="2025-02-03T20:48:37.436" v="225"/>
+            <ac:spMkLst>
+              <pc:docMk/>
+              <pc:sldMasterMk cId="891989415" sldId="2147483677"/>
+              <pc:sldLayoutMk cId="106217456" sldId="2147483678"/>
+              <ac:spMk id="23" creationId="{00000000-0000-0000-0000-000000000000}"/>
+            </ac:spMkLst>
+          </pc:spChg>
+          <pc:spChg chg="mod">
+            <ac:chgData name="Betty Ulicki" userId="ec73e3d992cd6186" providerId="LiveId" clId="{03AA9417-1C07-45BA-9BA3-854CC1DEC91A}" dt="2025-02-03T20:48:37.436" v="225"/>
+            <ac:spMkLst>
+              <pc:docMk/>
+              <pc:sldMasterMk cId="891989415" sldId="2147483677"/>
+              <pc:sldLayoutMk cId="106217456" sldId="2147483678"/>
+              <ac:spMk id="24" creationId="{00000000-0000-0000-0000-000000000000}"/>
+            </ac:spMkLst>
+          </pc:spChg>
+          <pc:spChg chg="mod">
+            <ac:chgData name="Betty Ulicki" userId="ec73e3d992cd6186" providerId="LiveId" clId="{03AA9417-1C07-45BA-9BA3-854CC1DEC91A}" dt="2025-02-03T20:48:37.436" v="225"/>
+            <ac:spMkLst>
+              <pc:docMk/>
+              <pc:sldMasterMk cId="891989415" sldId="2147483677"/>
+              <pc:sldLayoutMk cId="106217456" sldId="2147483678"/>
+              <ac:spMk id="25" creationId="{00000000-0000-0000-0000-000000000000}"/>
+            </ac:spMkLst>
+          </pc:spChg>
+          <pc:spChg chg="mod">
+            <ac:chgData name="Betty Ulicki" userId="ec73e3d992cd6186" providerId="LiveId" clId="{03AA9417-1C07-45BA-9BA3-854CC1DEC91A}" dt="2025-02-03T20:48:37.436" v="225"/>
+            <ac:spMkLst>
+              <pc:docMk/>
+              <pc:sldMasterMk cId="891989415" sldId="2147483677"/>
+              <pc:sldLayoutMk cId="106217456" sldId="2147483678"/>
+              <ac:spMk id="26" creationId="{00000000-0000-0000-0000-000000000000}"/>
+            </ac:spMkLst>
+          </pc:spChg>
+          <pc:spChg chg="mod">
+            <ac:chgData name="Betty Ulicki" userId="ec73e3d992cd6186" providerId="LiveId" clId="{03AA9417-1C07-45BA-9BA3-854CC1DEC91A}" dt="2025-02-03T20:48:37.436" v="225"/>
+            <ac:spMkLst>
+              <pc:docMk/>
+              <pc:sldMasterMk cId="891989415" sldId="2147483677"/>
+              <pc:sldLayoutMk cId="106217456" sldId="2147483678"/>
+              <ac:spMk id="27" creationId="{00000000-0000-0000-0000-000000000000}"/>
+            </ac:spMkLst>
+          </pc:spChg>
         </pc:sldLayoutChg>
         <pc:sldLayoutChg chg="modSp">
           <pc:chgData name="Betty Ulicki" userId="ec73e3d992cd6186" providerId="LiveId" clId="{03AA9417-1C07-45BA-9BA3-854CC1DEC91A}" dt="2025-02-03T20:48:37.436" v="225"/>
@@ -340,6 +590,24 @@
             <pc:sldMasterMk cId="891989415" sldId="2147483677"/>
             <pc:sldLayoutMk cId="1392051102" sldId="2147483680"/>
           </pc:sldLayoutMkLst>
+          <pc:spChg chg="mod">
+            <ac:chgData name="Betty Ulicki" userId="ec73e3d992cd6186" providerId="LiveId" clId="{03AA9417-1C07-45BA-9BA3-854CC1DEC91A}" dt="2025-02-03T20:48:37.436" v="225"/>
+            <ac:spMkLst>
+              <pc:docMk/>
+              <pc:sldMasterMk cId="891989415" sldId="2147483677"/>
+              <pc:sldLayoutMk cId="1392051102" sldId="2147483680"/>
+              <ac:spMk id="2" creationId="{00000000-0000-0000-0000-000000000000}"/>
+            </ac:spMkLst>
+          </pc:spChg>
+          <pc:spChg chg="mod">
+            <ac:chgData name="Betty Ulicki" userId="ec73e3d992cd6186" providerId="LiveId" clId="{03AA9417-1C07-45BA-9BA3-854CC1DEC91A}" dt="2025-02-03T20:48:37.436" v="225"/>
+            <ac:spMkLst>
+              <pc:docMk/>
+              <pc:sldMasterMk cId="891989415" sldId="2147483677"/>
+              <pc:sldLayoutMk cId="1392051102" sldId="2147483680"/>
+              <ac:spMk id="3" creationId="{00000000-0000-0000-0000-000000000000}"/>
+            </ac:spMkLst>
+          </pc:spChg>
         </pc:sldLayoutChg>
         <pc:sldLayoutChg chg="modSp">
           <pc:chgData name="Betty Ulicki" userId="ec73e3d992cd6186" providerId="LiveId" clId="{03AA9417-1C07-45BA-9BA3-854CC1DEC91A}" dt="2025-02-03T20:48:37.436" v="225"/>
@@ -348,6 +616,24 @@
             <pc:sldMasterMk cId="891989415" sldId="2147483677"/>
             <pc:sldLayoutMk cId="563165214" sldId="2147483681"/>
           </pc:sldLayoutMkLst>
+          <pc:spChg chg="mod">
+            <ac:chgData name="Betty Ulicki" userId="ec73e3d992cd6186" providerId="LiveId" clId="{03AA9417-1C07-45BA-9BA3-854CC1DEC91A}" dt="2025-02-03T20:48:37.436" v="225"/>
+            <ac:spMkLst>
+              <pc:docMk/>
+              <pc:sldMasterMk cId="891989415" sldId="2147483677"/>
+              <pc:sldLayoutMk cId="563165214" sldId="2147483681"/>
+              <ac:spMk id="3" creationId="{00000000-0000-0000-0000-000000000000}"/>
+            </ac:spMkLst>
+          </pc:spChg>
+          <pc:spChg chg="mod">
+            <ac:chgData name="Betty Ulicki" userId="ec73e3d992cd6186" providerId="LiveId" clId="{03AA9417-1C07-45BA-9BA3-854CC1DEC91A}" dt="2025-02-03T20:48:37.436" v="225"/>
+            <ac:spMkLst>
+              <pc:docMk/>
+              <pc:sldMasterMk cId="891989415" sldId="2147483677"/>
+              <pc:sldLayoutMk cId="563165214" sldId="2147483681"/>
+              <ac:spMk id="4" creationId="{00000000-0000-0000-0000-000000000000}"/>
+            </ac:spMkLst>
+          </pc:spChg>
         </pc:sldLayoutChg>
         <pc:sldLayoutChg chg="modSp">
           <pc:chgData name="Betty Ulicki" userId="ec73e3d992cd6186" providerId="LiveId" clId="{03AA9417-1C07-45BA-9BA3-854CC1DEC91A}" dt="2025-02-03T20:48:37.436" v="225"/>
@@ -356,6 +642,42 @@
             <pc:sldMasterMk cId="891989415" sldId="2147483677"/>
             <pc:sldLayoutMk cId="3785269324" sldId="2147483682"/>
           </pc:sldLayoutMkLst>
+          <pc:spChg chg="mod">
+            <ac:chgData name="Betty Ulicki" userId="ec73e3d992cd6186" providerId="LiveId" clId="{03AA9417-1C07-45BA-9BA3-854CC1DEC91A}" dt="2025-02-03T20:48:37.436" v="225"/>
+            <ac:spMkLst>
+              <pc:docMk/>
+              <pc:sldMasterMk cId="891989415" sldId="2147483677"/>
+              <pc:sldLayoutMk cId="3785269324" sldId="2147483682"/>
+              <ac:spMk id="3" creationId="{00000000-0000-0000-0000-000000000000}"/>
+            </ac:spMkLst>
+          </pc:spChg>
+          <pc:spChg chg="mod">
+            <ac:chgData name="Betty Ulicki" userId="ec73e3d992cd6186" providerId="LiveId" clId="{03AA9417-1C07-45BA-9BA3-854CC1DEC91A}" dt="2025-02-03T20:48:37.436" v="225"/>
+            <ac:spMkLst>
+              <pc:docMk/>
+              <pc:sldMasterMk cId="891989415" sldId="2147483677"/>
+              <pc:sldLayoutMk cId="3785269324" sldId="2147483682"/>
+              <ac:spMk id="4" creationId="{00000000-0000-0000-0000-000000000000}"/>
+            </ac:spMkLst>
+          </pc:spChg>
+          <pc:spChg chg="mod">
+            <ac:chgData name="Betty Ulicki" userId="ec73e3d992cd6186" providerId="LiveId" clId="{03AA9417-1C07-45BA-9BA3-854CC1DEC91A}" dt="2025-02-03T20:48:37.436" v="225"/>
+            <ac:spMkLst>
+              <pc:docMk/>
+              <pc:sldMasterMk cId="891989415" sldId="2147483677"/>
+              <pc:sldLayoutMk cId="3785269324" sldId="2147483682"/>
+              <ac:spMk id="5" creationId="{00000000-0000-0000-0000-000000000000}"/>
+            </ac:spMkLst>
+          </pc:spChg>
+          <pc:spChg chg="mod">
+            <ac:chgData name="Betty Ulicki" userId="ec73e3d992cd6186" providerId="LiveId" clId="{03AA9417-1C07-45BA-9BA3-854CC1DEC91A}" dt="2025-02-03T20:48:37.436" v="225"/>
+            <ac:spMkLst>
+              <pc:docMk/>
+              <pc:sldMasterMk cId="891989415" sldId="2147483677"/>
+              <pc:sldLayoutMk cId="3785269324" sldId="2147483682"/>
+              <ac:spMk id="6" creationId="{00000000-0000-0000-0000-000000000000}"/>
+            </ac:spMkLst>
+          </pc:spChg>
         </pc:sldLayoutChg>
         <pc:sldLayoutChg chg="modSp">
           <pc:chgData name="Betty Ulicki" userId="ec73e3d992cd6186" providerId="LiveId" clId="{03AA9417-1C07-45BA-9BA3-854CC1DEC91A}" dt="2025-02-03T20:48:37.436" v="225"/>
@@ -364,6 +686,15 @@
             <pc:sldMasterMk cId="891989415" sldId="2147483677"/>
             <pc:sldLayoutMk cId="2199363416" sldId="2147483683"/>
           </pc:sldLayoutMkLst>
+          <pc:spChg chg="mod">
+            <ac:chgData name="Betty Ulicki" userId="ec73e3d992cd6186" providerId="LiveId" clId="{03AA9417-1C07-45BA-9BA3-854CC1DEC91A}" dt="2025-02-03T20:48:37.436" v="225"/>
+            <ac:spMkLst>
+              <pc:docMk/>
+              <pc:sldMasterMk cId="891989415" sldId="2147483677"/>
+              <pc:sldLayoutMk cId="2199363416" sldId="2147483683"/>
+              <ac:spMk id="2" creationId="{00000000-0000-0000-0000-000000000000}"/>
+            </ac:spMkLst>
+          </pc:spChg>
         </pc:sldLayoutChg>
         <pc:sldLayoutChg chg="modSp">
           <pc:chgData name="Betty Ulicki" userId="ec73e3d992cd6186" providerId="LiveId" clId="{03AA9417-1C07-45BA-9BA3-854CC1DEC91A}" dt="2025-02-03T20:48:37.436" v="225"/>
@@ -372,6 +703,33 @@
             <pc:sldMasterMk cId="891989415" sldId="2147483677"/>
             <pc:sldLayoutMk cId="672717790" sldId="2147483685"/>
           </pc:sldLayoutMkLst>
+          <pc:spChg chg="mod">
+            <ac:chgData name="Betty Ulicki" userId="ec73e3d992cd6186" providerId="LiveId" clId="{03AA9417-1C07-45BA-9BA3-854CC1DEC91A}" dt="2025-02-03T20:48:37.436" v="225"/>
+            <ac:spMkLst>
+              <pc:docMk/>
+              <pc:sldMasterMk cId="891989415" sldId="2147483677"/>
+              <pc:sldLayoutMk cId="672717790" sldId="2147483685"/>
+              <ac:spMk id="2" creationId="{00000000-0000-0000-0000-000000000000}"/>
+            </ac:spMkLst>
+          </pc:spChg>
+          <pc:spChg chg="mod">
+            <ac:chgData name="Betty Ulicki" userId="ec73e3d992cd6186" providerId="LiveId" clId="{03AA9417-1C07-45BA-9BA3-854CC1DEC91A}" dt="2025-02-03T20:48:37.436" v="225"/>
+            <ac:spMkLst>
+              <pc:docMk/>
+              <pc:sldMasterMk cId="891989415" sldId="2147483677"/>
+              <pc:sldLayoutMk cId="672717790" sldId="2147483685"/>
+              <ac:spMk id="3" creationId="{00000000-0000-0000-0000-000000000000}"/>
+            </ac:spMkLst>
+          </pc:spChg>
+          <pc:spChg chg="mod">
+            <ac:chgData name="Betty Ulicki" userId="ec73e3d992cd6186" providerId="LiveId" clId="{03AA9417-1C07-45BA-9BA3-854CC1DEC91A}" dt="2025-02-03T20:48:37.436" v="225"/>
+            <ac:spMkLst>
+              <pc:docMk/>
+              <pc:sldMasterMk cId="891989415" sldId="2147483677"/>
+              <pc:sldLayoutMk cId="672717790" sldId="2147483685"/>
+              <ac:spMk id="4" creationId="{00000000-0000-0000-0000-000000000000}"/>
+            </ac:spMkLst>
+          </pc:spChg>
         </pc:sldLayoutChg>
         <pc:sldLayoutChg chg="modSp">
           <pc:chgData name="Betty Ulicki" userId="ec73e3d992cd6186" providerId="LiveId" clId="{03AA9417-1C07-45BA-9BA3-854CC1DEC91A}" dt="2025-02-03T20:48:37.436" v="225"/>
@@ -380,6 +738,33 @@
             <pc:sldMasterMk cId="891989415" sldId="2147483677"/>
             <pc:sldLayoutMk cId="2947099906" sldId="2147483686"/>
           </pc:sldLayoutMkLst>
+          <pc:spChg chg="mod">
+            <ac:chgData name="Betty Ulicki" userId="ec73e3d992cd6186" providerId="LiveId" clId="{03AA9417-1C07-45BA-9BA3-854CC1DEC91A}" dt="2025-02-03T20:48:37.436" v="225"/>
+            <ac:spMkLst>
+              <pc:docMk/>
+              <pc:sldMasterMk cId="891989415" sldId="2147483677"/>
+              <pc:sldLayoutMk cId="2947099906" sldId="2147483686"/>
+              <ac:spMk id="2" creationId="{00000000-0000-0000-0000-000000000000}"/>
+            </ac:spMkLst>
+          </pc:spChg>
+          <pc:spChg chg="mod">
+            <ac:chgData name="Betty Ulicki" userId="ec73e3d992cd6186" providerId="LiveId" clId="{03AA9417-1C07-45BA-9BA3-854CC1DEC91A}" dt="2025-02-03T20:48:37.436" v="225"/>
+            <ac:spMkLst>
+              <pc:docMk/>
+              <pc:sldMasterMk cId="891989415" sldId="2147483677"/>
+              <pc:sldLayoutMk cId="2947099906" sldId="2147483686"/>
+              <ac:spMk id="3" creationId="{00000000-0000-0000-0000-000000000000}"/>
+            </ac:spMkLst>
+          </pc:spChg>
+          <pc:spChg chg="mod">
+            <ac:chgData name="Betty Ulicki" userId="ec73e3d992cd6186" providerId="LiveId" clId="{03AA9417-1C07-45BA-9BA3-854CC1DEC91A}" dt="2025-02-03T20:48:37.436" v="225"/>
+            <ac:spMkLst>
+              <pc:docMk/>
+              <pc:sldMasterMk cId="891989415" sldId="2147483677"/>
+              <pc:sldLayoutMk cId="2947099906" sldId="2147483686"/>
+              <ac:spMk id="4" creationId="{00000000-0000-0000-0000-000000000000}"/>
+            </ac:spMkLst>
+          </pc:spChg>
         </pc:sldLayoutChg>
         <pc:sldLayoutChg chg="modSp">
           <pc:chgData name="Betty Ulicki" userId="ec73e3d992cd6186" providerId="LiveId" clId="{03AA9417-1C07-45BA-9BA3-854CC1DEC91A}" dt="2025-02-03T20:48:37.436" v="225"/>
@@ -388,6 +773,24 @@
             <pc:sldMasterMk cId="891989415" sldId="2147483677"/>
             <pc:sldLayoutMk cId="4193226009" sldId="2147483687"/>
           </pc:sldLayoutMkLst>
+          <pc:spChg chg="mod">
+            <ac:chgData name="Betty Ulicki" userId="ec73e3d992cd6186" providerId="LiveId" clId="{03AA9417-1C07-45BA-9BA3-854CC1DEC91A}" dt="2025-02-03T20:48:37.436" v="225"/>
+            <ac:spMkLst>
+              <pc:docMk/>
+              <pc:sldMasterMk cId="891989415" sldId="2147483677"/>
+              <pc:sldLayoutMk cId="4193226009" sldId="2147483687"/>
+              <ac:spMk id="2" creationId="{00000000-0000-0000-0000-000000000000}"/>
+            </ac:spMkLst>
+          </pc:spChg>
+          <pc:spChg chg="mod">
+            <ac:chgData name="Betty Ulicki" userId="ec73e3d992cd6186" providerId="LiveId" clId="{03AA9417-1C07-45BA-9BA3-854CC1DEC91A}" dt="2025-02-03T20:48:37.436" v="225"/>
+            <ac:spMkLst>
+              <pc:docMk/>
+              <pc:sldMasterMk cId="891989415" sldId="2147483677"/>
+              <pc:sldLayoutMk cId="4193226009" sldId="2147483687"/>
+              <ac:spMk id="3" creationId="{00000000-0000-0000-0000-000000000000}"/>
+            </ac:spMkLst>
+          </pc:spChg>
         </pc:sldLayoutChg>
         <pc:sldLayoutChg chg="modSp">
           <pc:chgData name="Betty Ulicki" userId="ec73e3d992cd6186" providerId="LiveId" clId="{03AA9417-1C07-45BA-9BA3-854CC1DEC91A}" dt="2025-02-03T20:48:37.436" v="225"/>
@@ -396,6 +799,51 @@
             <pc:sldMasterMk cId="891989415" sldId="2147483677"/>
             <pc:sldLayoutMk cId="1871173369" sldId="2147483688"/>
           </pc:sldLayoutMkLst>
+          <pc:spChg chg="mod">
+            <ac:chgData name="Betty Ulicki" userId="ec73e3d992cd6186" providerId="LiveId" clId="{03AA9417-1C07-45BA-9BA3-854CC1DEC91A}" dt="2025-02-03T20:48:37.436" v="225"/>
+            <ac:spMkLst>
+              <pc:docMk/>
+              <pc:sldMasterMk cId="891989415" sldId="2147483677"/>
+              <pc:sldLayoutMk cId="1871173369" sldId="2147483688"/>
+              <ac:spMk id="2" creationId="{00000000-0000-0000-0000-000000000000}"/>
+            </ac:spMkLst>
+          </pc:spChg>
+          <pc:spChg chg="mod">
+            <ac:chgData name="Betty Ulicki" userId="ec73e3d992cd6186" providerId="LiveId" clId="{03AA9417-1C07-45BA-9BA3-854CC1DEC91A}" dt="2025-02-03T20:48:37.436" v="225"/>
+            <ac:spMkLst>
+              <pc:docMk/>
+              <pc:sldMasterMk cId="891989415" sldId="2147483677"/>
+              <pc:sldLayoutMk cId="1871173369" sldId="2147483688"/>
+              <ac:spMk id="3" creationId="{00000000-0000-0000-0000-000000000000}"/>
+            </ac:spMkLst>
+          </pc:spChg>
+          <pc:spChg chg="mod">
+            <ac:chgData name="Betty Ulicki" userId="ec73e3d992cd6186" providerId="LiveId" clId="{03AA9417-1C07-45BA-9BA3-854CC1DEC91A}" dt="2025-02-03T20:48:37.436" v="225"/>
+            <ac:spMkLst>
+              <pc:docMk/>
+              <pc:sldMasterMk cId="891989415" sldId="2147483677"/>
+              <pc:sldLayoutMk cId="1871173369" sldId="2147483688"/>
+              <ac:spMk id="23" creationId="{00000000-0000-0000-0000-000000000000}"/>
+            </ac:spMkLst>
+          </pc:spChg>
+          <pc:spChg chg="mod">
+            <ac:chgData name="Betty Ulicki" userId="ec73e3d992cd6186" providerId="LiveId" clId="{03AA9417-1C07-45BA-9BA3-854CC1DEC91A}" dt="2025-02-03T20:48:37.436" v="225"/>
+            <ac:spMkLst>
+              <pc:docMk/>
+              <pc:sldMasterMk cId="891989415" sldId="2147483677"/>
+              <pc:sldLayoutMk cId="1871173369" sldId="2147483688"/>
+              <ac:spMk id="24" creationId="{00000000-0000-0000-0000-000000000000}"/>
+            </ac:spMkLst>
+          </pc:spChg>
+          <pc:spChg chg="mod">
+            <ac:chgData name="Betty Ulicki" userId="ec73e3d992cd6186" providerId="LiveId" clId="{03AA9417-1C07-45BA-9BA3-854CC1DEC91A}" dt="2025-02-03T20:48:37.436" v="225"/>
+            <ac:spMkLst>
+              <pc:docMk/>
+              <pc:sldMasterMk cId="891989415" sldId="2147483677"/>
+              <pc:sldLayoutMk cId="1871173369" sldId="2147483688"/>
+              <ac:spMk id="25" creationId="{00000000-0000-0000-0000-000000000000}"/>
+            </ac:spMkLst>
+          </pc:spChg>
         </pc:sldLayoutChg>
         <pc:sldLayoutChg chg="modSp">
           <pc:chgData name="Betty Ulicki" userId="ec73e3d992cd6186" providerId="LiveId" clId="{03AA9417-1C07-45BA-9BA3-854CC1DEC91A}" dt="2025-02-03T20:48:37.436" v="225"/>
@@ -404,6 +852,24 @@
             <pc:sldMasterMk cId="891989415" sldId="2147483677"/>
             <pc:sldLayoutMk cId="276126184" sldId="2147483689"/>
           </pc:sldLayoutMkLst>
+          <pc:spChg chg="mod">
+            <ac:chgData name="Betty Ulicki" userId="ec73e3d992cd6186" providerId="LiveId" clId="{03AA9417-1C07-45BA-9BA3-854CC1DEC91A}" dt="2025-02-03T20:48:37.436" v="225"/>
+            <ac:spMkLst>
+              <pc:docMk/>
+              <pc:sldMasterMk cId="891989415" sldId="2147483677"/>
+              <pc:sldLayoutMk cId="276126184" sldId="2147483689"/>
+              <ac:spMk id="2" creationId="{00000000-0000-0000-0000-000000000000}"/>
+            </ac:spMkLst>
+          </pc:spChg>
+          <pc:spChg chg="mod">
+            <ac:chgData name="Betty Ulicki" userId="ec73e3d992cd6186" providerId="LiveId" clId="{03AA9417-1C07-45BA-9BA3-854CC1DEC91A}" dt="2025-02-03T20:48:37.436" v="225"/>
+            <ac:spMkLst>
+              <pc:docMk/>
+              <pc:sldMasterMk cId="891989415" sldId="2147483677"/>
+              <pc:sldLayoutMk cId="276126184" sldId="2147483689"/>
+              <ac:spMk id="3" creationId="{00000000-0000-0000-0000-000000000000}"/>
+            </ac:spMkLst>
+          </pc:spChg>
         </pc:sldLayoutChg>
         <pc:sldLayoutChg chg="modSp">
           <pc:chgData name="Betty Ulicki" userId="ec73e3d992cd6186" providerId="LiveId" clId="{03AA9417-1C07-45BA-9BA3-854CC1DEC91A}" dt="2025-02-03T20:48:37.436" v="225"/>
@@ -412,6 +878,51 @@
             <pc:sldMasterMk cId="891989415" sldId="2147483677"/>
             <pc:sldLayoutMk cId="1922623700" sldId="2147483690"/>
           </pc:sldLayoutMkLst>
+          <pc:spChg chg="mod">
+            <ac:chgData name="Betty Ulicki" userId="ec73e3d992cd6186" providerId="LiveId" clId="{03AA9417-1C07-45BA-9BA3-854CC1DEC91A}" dt="2025-02-03T20:48:37.436" v="225"/>
+            <ac:spMkLst>
+              <pc:docMk/>
+              <pc:sldMasterMk cId="891989415" sldId="2147483677"/>
+              <pc:sldLayoutMk cId="1922623700" sldId="2147483690"/>
+              <ac:spMk id="2" creationId="{00000000-0000-0000-0000-000000000000}"/>
+            </ac:spMkLst>
+          </pc:spChg>
+          <pc:spChg chg="mod">
+            <ac:chgData name="Betty Ulicki" userId="ec73e3d992cd6186" providerId="LiveId" clId="{03AA9417-1C07-45BA-9BA3-854CC1DEC91A}" dt="2025-02-03T20:48:37.436" v="225"/>
+            <ac:spMkLst>
+              <pc:docMk/>
+              <pc:sldMasterMk cId="891989415" sldId="2147483677"/>
+              <pc:sldLayoutMk cId="1922623700" sldId="2147483690"/>
+              <ac:spMk id="3" creationId="{00000000-0000-0000-0000-000000000000}"/>
+            </ac:spMkLst>
+          </pc:spChg>
+          <pc:spChg chg="mod">
+            <ac:chgData name="Betty Ulicki" userId="ec73e3d992cd6186" providerId="LiveId" clId="{03AA9417-1C07-45BA-9BA3-854CC1DEC91A}" dt="2025-02-03T20:48:37.436" v="225"/>
+            <ac:spMkLst>
+              <pc:docMk/>
+              <pc:sldMasterMk cId="891989415" sldId="2147483677"/>
+              <pc:sldLayoutMk cId="1922623700" sldId="2147483690"/>
+              <ac:spMk id="23" creationId="{00000000-0000-0000-0000-000000000000}"/>
+            </ac:spMkLst>
+          </pc:spChg>
+          <pc:spChg chg="mod">
+            <ac:chgData name="Betty Ulicki" userId="ec73e3d992cd6186" providerId="LiveId" clId="{03AA9417-1C07-45BA-9BA3-854CC1DEC91A}" dt="2025-02-03T20:48:37.436" v="225"/>
+            <ac:spMkLst>
+              <pc:docMk/>
+              <pc:sldMasterMk cId="891989415" sldId="2147483677"/>
+              <pc:sldLayoutMk cId="1922623700" sldId="2147483690"/>
+              <ac:spMk id="24" creationId="{00000000-0000-0000-0000-000000000000}"/>
+            </ac:spMkLst>
+          </pc:spChg>
+          <pc:spChg chg="mod">
+            <ac:chgData name="Betty Ulicki" userId="ec73e3d992cd6186" providerId="LiveId" clId="{03AA9417-1C07-45BA-9BA3-854CC1DEC91A}" dt="2025-02-03T20:48:37.436" v="225"/>
+            <ac:spMkLst>
+              <pc:docMk/>
+              <pc:sldMasterMk cId="891989415" sldId="2147483677"/>
+              <pc:sldLayoutMk cId="1922623700" sldId="2147483690"/>
+              <ac:spMk id="25" creationId="{00000000-0000-0000-0000-000000000000}"/>
+            </ac:spMkLst>
+          </pc:spChg>
         </pc:sldLayoutChg>
         <pc:sldLayoutChg chg="modSp">
           <pc:chgData name="Betty Ulicki" userId="ec73e3d992cd6186" providerId="LiveId" clId="{03AA9417-1C07-45BA-9BA3-854CC1DEC91A}" dt="2025-02-03T20:48:37.436" v="225"/>
@@ -420,6 +931,33 @@
             <pc:sldMasterMk cId="891989415" sldId="2147483677"/>
             <pc:sldLayoutMk cId="125101186" sldId="2147483691"/>
           </pc:sldLayoutMkLst>
+          <pc:spChg chg="mod">
+            <ac:chgData name="Betty Ulicki" userId="ec73e3d992cd6186" providerId="LiveId" clId="{03AA9417-1C07-45BA-9BA3-854CC1DEC91A}" dt="2025-02-03T20:48:37.436" v="225"/>
+            <ac:spMkLst>
+              <pc:docMk/>
+              <pc:sldMasterMk cId="891989415" sldId="2147483677"/>
+              <pc:sldLayoutMk cId="125101186" sldId="2147483691"/>
+              <ac:spMk id="2" creationId="{00000000-0000-0000-0000-000000000000}"/>
+            </ac:spMkLst>
+          </pc:spChg>
+          <pc:spChg chg="mod">
+            <ac:chgData name="Betty Ulicki" userId="ec73e3d992cd6186" providerId="LiveId" clId="{03AA9417-1C07-45BA-9BA3-854CC1DEC91A}" dt="2025-02-03T20:48:37.436" v="225"/>
+            <ac:spMkLst>
+              <pc:docMk/>
+              <pc:sldMasterMk cId="891989415" sldId="2147483677"/>
+              <pc:sldLayoutMk cId="125101186" sldId="2147483691"/>
+              <ac:spMk id="3" creationId="{00000000-0000-0000-0000-000000000000}"/>
+            </ac:spMkLst>
+          </pc:spChg>
+          <pc:spChg chg="mod">
+            <ac:chgData name="Betty Ulicki" userId="ec73e3d992cd6186" providerId="LiveId" clId="{03AA9417-1C07-45BA-9BA3-854CC1DEC91A}" dt="2025-02-03T20:48:37.436" v="225"/>
+            <ac:spMkLst>
+              <pc:docMk/>
+              <pc:sldMasterMk cId="891989415" sldId="2147483677"/>
+              <pc:sldLayoutMk cId="125101186" sldId="2147483691"/>
+              <ac:spMk id="23" creationId="{00000000-0000-0000-0000-000000000000}"/>
+            </ac:spMkLst>
+          </pc:spChg>
         </pc:sldLayoutChg>
         <pc:sldLayoutChg chg="modSp">
           <pc:chgData name="Betty Ulicki" userId="ec73e3d992cd6186" providerId="LiveId" clId="{03AA9417-1C07-45BA-9BA3-854CC1DEC91A}" dt="2025-02-03T20:48:37.436" v="225"/>
@@ -428,6 +966,24 @@
             <pc:sldMasterMk cId="891989415" sldId="2147483677"/>
             <pc:sldLayoutMk cId="980780055" sldId="2147483693"/>
           </pc:sldLayoutMkLst>
+          <pc:spChg chg="mod">
+            <ac:chgData name="Betty Ulicki" userId="ec73e3d992cd6186" providerId="LiveId" clId="{03AA9417-1C07-45BA-9BA3-854CC1DEC91A}" dt="2025-02-03T20:48:37.436" v="225"/>
+            <ac:spMkLst>
+              <pc:docMk/>
+              <pc:sldMasterMk cId="891989415" sldId="2147483677"/>
+              <pc:sldLayoutMk cId="980780055" sldId="2147483693"/>
+              <ac:spMk id="2" creationId="{00000000-0000-0000-0000-000000000000}"/>
+            </ac:spMkLst>
+          </pc:spChg>
+          <pc:spChg chg="mod">
+            <ac:chgData name="Betty Ulicki" userId="ec73e3d992cd6186" providerId="LiveId" clId="{03AA9417-1C07-45BA-9BA3-854CC1DEC91A}" dt="2025-02-03T20:48:37.436" v="225"/>
+            <ac:spMkLst>
+              <pc:docMk/>
+              <pc:sldMasterMk cId="891989415" sldId="2147483677"/>
+              <pc:sldLayoutMk cId="980780055" sldId="2147483693"/>
+              <ac:spMk id="3" creationId="{00000000-0000-0000-0000-000000000000}"/>
+            </ac:spMkLst>
+          </pc:spChg>
         </pc:sldLayoutChg>
       </pc:sldMasterChg>
     </pc:docChg>
@@ -517,7 +1073,7 @@
           <a:p>
             <a:fld id="{27DAFF50-5E23-40F5-AC8E-A281A55BB578}" type="datetimeFigureOut">
               <a:rPr lang="en-US" smtClean="0"/>
-              <a:t>2/14/2025</a:t>
+              <a:t>2/3/2025</a:t>
             </a:fld>
             <a:endParaRPr lang="en-US"/>
           </a:p>
@@ -1723,7 +2279,7 @@
           <a:p>
             <a:fld id="{F8DA86BA-9E7F-4D87-B2FF-E0BFBDB68074}" type="datetimeFigureOut">
               <a:rPr lang="en-US" smtClean="0"/>
-              <a:t>2/14/2025</a:t>
+              <a:t>2/3/2025</a:t>
             </a:fld>
             <a:endParaRPr lang="en-US"/>
           </a:p>
@@ -1974,7 +2530,7 @@
           <a:p>
             <a:fld id="{F8DA86BA-9E7F-4D87-B2FF-E0BFBDB68074}" type="datetimeFigureOut">
               <a:rPr lang="en-US" smtClean="0"/>
-              <a:t>2/14/2025</a:t>
+              <a:t>2/3/2025</a:t>
             </a:fld>
             <a:endParaRPr lang="en-US"/>
           </a:p>
@@ -2288,7 +2844,7 @@
           <a:p>
             <a:fld id="{F8DA86BA-9E7F-4D87-B2FF-E0BFBDB68074}" type="datetimeFigureOut">
               <a:rPr lang="en-US" smtClean="0"/>
-              <a:t>2/14/2025</a:t>
+              <a:t>2/3/2025</a:t>
             </a:fld>
             <a:endParaRPr lang="en-US"/>
           </a:p>
@@ -2621,7 +3177,7 @@
           <a:p>
             <a:fld id="{F8DA86BA-9E7F-4D87-B2FF-E0BFBDB68074}" type="datetimeFigureOut">
               <a:rPr lang="en-US" smtClean="0"/>
-              <a:t>2/14/2025</a:t>
+              <a:t>2/3/2025</a:t>
             </a:fld>
             <a:endParaRPr lang="en-US"/>
           </a:p>
@@ -2935,7 +3491,7 @@
           <a:p>
             <a:fld id="{F8DA86BA-9E7F-4D87-B2FF-E0BFBDB68074}" type="datetimeFigureOut">
               <a:rPr lang="en-US" smtClean="0"/>
-              <a:t>2/14/2025</a:t>
+              <a:t>2/3/2025</a:t>
             </a:fld>
             <a:endParaRPr lang="en-US"/>
           </a:p>
@@ -3328,7 +3884,7 @@
           <a:p>
             <a:fld id="{F8DA86BA-9E7F-4D87-B2FF-E0BFBDB68074}" type="datetimeFigureOut">
               <a:rPr lang="en-US" smtClean="0"/>
-              <a:t>2/14/2025</a:t>
+              <a:t>2/3/2025</a:t>
             </a:fld>
             <a:endParaRPr lang="en-US"/>
           </a:p>
@@ -3498,7 +4054,7 @@
           <a:p>
             <a:fld id="{F8DA86BA-9E7F-4D87-B2FF-E0BFBDB68074}" type="datetimeFigureOut">
               <a:rPr lang="en-US" smtClean="0"/>
-              <a:t>2/14/2025</a:t>
+              <a:t>2/3/2025</a:t>
             </a:fld>
             <a:endParaRPr lang="en-US"/>
           </a:p>
@@ -3678,7 +4234,7 @@
           <a:p>
             <a:fld id="{F8DA86BA-9E7F-4D87-B2FF-E0BFBDB68074}" type="datetimeFigureOut">
               <a:rPr lang="en-US" smtClean="0"/>
-              <a:t>2/14/2025</a:t>
+              <a:t>2/3/2025</a:t>
             </a:fld>
             <a:endParaRPr lang="en-US"/>
           </a:p>
@@ -3854,7 +4410,7 @@
           <a:p>
             <a:fld id="{F8DA86BA-9E7F-4D87-B2FF-E0BFBDB68074}" type="datetimeFigureOut">
               <a:rPr lang="en-US" smtClean="0"/>
-              <a:t>2/14/2025</a:t>
+              <a:t>2/3/2025</a:t>
             </a:fld>
             <a:endParaRPr lang="en-US"/>
           </a:p>
@@ -4101,7 +4657,7 @@
           <a:p>
             <a:fld id="{F8DA86BA-9E7F-4D87-B2FF-E0BFBDB68074}" type="datetimeFigureOut">
               <a:rPr lang="en-US" smtClean="0"/>
-              <a:t>2/14/2025</a:t>
+              <a:t>2/3/2025</a:t>
             </a:fld>
             <a:endParaRPr lang="en-US"/>
           </a:p>
@@ -4398,7 +4954,7 @@
           <a:p>
             <a:fld id="{F8DA86BA-9E7F-4D87-B2FF-E0BFBDB68074}" type="datetimeFigureOut">
               <a:rPr lang="en-US" smtClean="0"/>
-              <a:t>2/14/2025</a:t>
+              <a:t>2/3/2025</a:t>
             </a:fld>
             <a:endParaRPr lang="en-US"/>
           </a:p>
@@ -4777,7 +5333,7 @@
           <a:p>
             <a:fld id="{F8DA86BA-9E7F-4D87-B2FF-E0BFBDB68074}" type="datetimeFigureOut">
               <a:rPr lang="en-US" smtClean="0"/>
-              <a:t>2/14/2025</a:t>
+              <a:t>2/3/2025</a:t>
             </a:fld>
             <a:endParaRPr lang="en-US"/>
           </a:p>
@@ -4900,7 +5456,7 @@
           <a:p>
             <a:fld id="{F8DA86BA-9E7F-4D87-B2FF-E0BFBDB68074}" type="datetimeFigureOut">
               <a:rPr lang="en-US" smtClean="0"/>
-              <a:t>2/14/2025</a:t>
+              <a:t>2/3/2025</a:t>
             </a:fld>
             <a:endParaRPr lang="en-US"/>
           </a:p>
@@ -4995,7 +5551,7 @@
           <a:p>
             <a:fld id="{F8DA86BA-9E7F-4D87-B2FF-E0BFBDB68074}" type="datetimeFigureOut">
               <a:rPr lang="en-US" smtClean="0"/>
-              <a:t>2/14/2025</a:t>
+              <a:t>2/3/2025</a:t>
             </a:fld>
             <a:endParaRPr lang="en-US"/>
           </a:p>
@@ -5250,7 +5806,7 @@
           <a:p>
             <a:fld id="{F8DA86BA-9E7F-4D87-B2FF-E0BFBDB68074}" type="datetimeFigureOut">
               <a:rPr lang="en-US" smtClean="0"/>
-              <a:t>2/14/2025</a:t>
+              <a:t>2/3/2025</a:t>
             </a:fld>
             <a:endParaRPr lang="en-US"/>
           </a:p>
@@ -5513,7 +6069,7 @@
           <a:p>
             <a:fld id="{F8DA86BA-9E7F-4D87-B2FF-E0BFBDB68074}" type="datetimeFigureOut">
               <a:rPr lang="en-US" smtClean="0"/>
-              <a:t>2/14/2025</a:t>
+              <a:t>2/3/2025</a:t>
             </a:fld>
             <a:endParaRPr lang="en-US"/>
           </a:p>
@@ -6328,7 +6884,7 @@
           <a:p>
             <a:fld id="{F8DA86BA-9E7F-4D87-B2FF-E0BFBDB68074}" type="datetimeFigureOut">
               <a:rPr lang="en-US" smtClean="0"/>
-              <a:t>2/14/2025</a:t>
+              <a:t>2/3/2025</a:t>
             </a:fld>
             <a:endParaRPr lang="en-US"/>
           </a:p>
